--- a/pptx_templates/Urban_monochrome.pptx
+++ b/pptx_templates/Urban_monochrome.pptx
@@ -4,6 +4,7 @@
   <p:sldMasterIdLst>
     <p:sldMasterId id="2147483746" r:id="rId4"/>
   </p:sldMasterIdLst>
+  <p:sldIdLst/>
   <p:sldSz cx="12192000" cy="6858000"/>
   <p:notesSz cx="6858000" cy="9144000"/>
   <p:defaultTextStyle>
